--- a/git那些事.pptx
+++ b/git那些事.pptx
@@ -8349,11 +8349,11 @@
   <p:clrMapOvr>
     <a:masterClrMapping/>
   </p:clrMapOvr>
-  <mc:AlternateContent xmlns:mc="http://schemas.openxmlformats.org/markup-compatibility/2006">
-    <mc:Choice xmlns:p14="http://schemas.microsoft.com/office/powerpoint/2010/main" Requires="p14">
+  <mc:AlternateContent xmlns:mc="http://schemas.openxmlformats.org/markup-compatibility/2006" xmlns:p14="http://schemas.microsoft.com/office/powerpoint/2010/main">
+    <mc:Choice Requires="p14">
       <p:transition p14:dur="10" advTm="2931"/>
     </mc:Choice>
-    <mc:Fallback>
+    <mc:Fallback xmlns="">
       <p:transition advTm="2931"/>
     </mc:Fallback>
   </mc:AlternateContent>
@@ -8861,11 +8861,11 @@
   <p:clrMapOvr>
     <a:masterClrMapping/>
   </p:clrMapOvr>
-  <mc:AlternateContent xmlns:mc="http://schemas.openxmlformats.org/markup-compatibility/2006">
-    <mc:Choice xmlns:p14="http://schemas.microsoft.com/office/powerpoint/2010/main" Requires="p14">
+  <mc:AlternateContent xmlns:mc="http://schemas.openxmlformats.org/markup-compatibility/2006" xmlns:p14="http://schemas.microsoft.com/office/powerpoint/2010/main">
+    <mc:Choice Requires="p14">
       <p:transition p14:dur="10" advTm="2931"/>
     </mc:Choice>
-    <mc:Fallback>
+    <mc:Fallback xmlns="">
       <p:transition advTm="2931"/>
     </mc:Fallback>
   </mc:AlternateContent>
@@ -9376,11 +9376,11 @@
   <p:clrMapOvr>
     <a:masterClrMapping/>
   </p:clrMapOvr>
-  <mc:AlternateContent xmlns:mc="http://schemas.openxmlformats.org/markup-compatibility/2006">
-    <mc:Choice xmlns:p14="http://schemas.microsoft.com/office/powerpoint/2010/main" Requires="p14">
+  <mc:AlternateContent xmlns:mc="http://schemas.openxmlformats.org/markup-compatibility/2006" xmlns:p14="http://schemas.microsoft.com/office/powerpoint/2010/main">
+    <mc:Choice Requires="p14">
       <p:transition p14:dur="10" advTm="2931"/>
     </mc:Choice>
-    <mc:Fallback>
+    <mc:Fallback xmlns="">
       <p:transition advTm="2931"/>
     </mc:Fallback>
   </mc:AlternateContent>
@@ -9884,11 +9884,11 @@
   <p:clrMapOvr>
     <a:masterClrMapping/>
   </p:clrMapOvr>
-  <mc:AlternateContent xmlns:mc="http://schemas.openxmlformats.org/markup-compatibility/2006">
-    <mc:Choice xmlns:p14="http://schemas.microsoft.com/office/powerpoint/2010/main" Requires="p14">
+  <mc:AlternateContent xmlns:mc="http://schemas.openxmlformats.org/markup-compatibility/2006" xmlns:p14="http://schemas.microsoft.com/office/powerpoint/2010/main">
+    <mc:Choice Requires="p14">
       <p:transition p14:dur="10" advTm="2931"/>
     </mc:Choice>
-    <mc:Fallback>
+    <mc:Fallback xmlns="">
       <p:transition advTm="2931"/>
     </mc:Fallback>
   </mc:AlternateContent>
@@ -9996,10 +9996,6 @@
               </a:rPr>
               <a:t>的哲学</a:t>
             </a:r>
-            <a:endParaRPr lang="zh-CN" altLang="en-US" dirty="0">
-              <a:latin typeface="华文琥珀" panose="02010800040101010101" pitchFamily="2" charset="-122"/>
-              <a:ea typeface="华文琥珀" panose="02010800040101010101" pitchFamily="2" charset="-122"/>
-            </a:endParaRPr>
           </a:p>
         </p:txBody>
       </p:sp>
@@ -11230,21 +11226,7 @@
                 <a:latin typeface="Tempus Sans ITC" panose="04020404030D07020202" pitchFamily="82" charset="0"/>
                 <a:ea typeface="华文彩云" panose="02010800040101010101" pitchFamily="2" charset="-122"/>
               </a:rPr>
-              <a:t>$ Git </a:t>
-            </a:r>
-            <a:r>
-              <a:rPr lang="en-US" altLang="zh-CN" dirty="0" smtClean="0">
-                <a:effectLst>
-                  <a:outerShdw blurRad="38100" dist="38100" dir="2700000" algn="tl">
-                    <a:srgbClr val="000000">
-                      <a:alpha val="43137"/>
-                    </a:srgbClr>
-                  </a:outerShdw>
-                </a:effectLst>
-                <a:latin typeface="Tempus Sans ITC" panose="04020404030D07020202" pitchFamily="82" charset="0"/>
-                <a:ea typeface="华文彩云" panose="02010800040101010101" pitchFamily="2" charset="-122"/>
-              </a:rPr>
-              <a:t>add files</a:t>
+              <a:t>$ Git add files</a:t>
             </a:r>
             <a:endParaRPr lang="zh-CN" altLang="en-US" sz="6600" dirty="0">
               <a:effectLst>
@@ -11499,13 +11481,13 @@
   <p:clrMapOvr>
     <a:masterClrMapping/>
   </p:clrMapOvr>
-  <mc:AlternateContent xmlns:mc="http://schemas.openxmlformats.org/markup-compatibility/2006">
-    <mc:Choice xmlns:p14="http://schemas.microsoft.com/office/powerpoint/2010/main" Requires="p14">
+  <mc:AlternateContent xmlns:mc="http://schemas.openxmlformats.org/markup-compatibility/2006" xmlns:p14="http://schemas.microsoft.com/office/powerpoint/2010/main">
+    <mc:Choice Requires="p14">
       <p:transition p14:dur="100" advTm="2931">
         <p:cut/>
       </p:transition>
     </mc:Choice>
-    <mc:Fallback>
+    <mc:Fallback xmlns="">
       <p:transition advTm="2931">
         <p:cut/>
       </p:transition>
@@ -12279,13 +12261,13 @@
   <p:clrMapOvr>
     <a:masterClrMapping/>
   </p:clrMapOvr>
-  <mc:AlternateContent xmlns:mc="http://schemas.openxmlformats.org/markup-compatibility/2006">
-    <mc:Choice xmlns:p14="http://schemas.microsoft.com/office/powerpoint/2010/main" Requires="p14">
+  <mc:AlternateContent xmlns:mc="http://schemas.openxmlformats.org/markup-compatibility/2006" xmlns:p14="http://schemas.microsoft.com/office/powerpoint/2010/main">
+    <mc:Choice Requires="p14">
       <p:transition p14:dur="100" advTm="2931">
         <p:cut/>
       </p:transition>
     </mc:Choice>
-    <mc:Fallback>
+    <mc:Fallback xmlns="">
       <p:transition advTm="2931">
         <p:cut/>
       </p:transition>
@@ -12483,7 +12465,42 @@
                 <a:latin typeface="华文琥珀" panose="02010800040101010101" pitchFamily="2" charset="-122"/>
                 <a:ea typeface="华文琥珀" panose="02010800040101010101" pitchFamily="2" charset="-122"/>
               </a:rPr>
-              <a:t>4 + 2</a:t>
+              <a:t>4</a:t>
+            </a:r>
+            <a:r>
+              <a:rPr lang="zh-CN" altLang="en-US" dirty="0" smtClean="0">
+                <a:latin typeface="华文琥珀" panose="02010800040101010101" pitchFamily="2" charset="-122"/>
+                <a:ea typeface="华文琥珀" panose="02010800040101010101" pitchFamily="2" charset="-122"/>
+              </a:rPr>
+              <a:t>个区</a:t>
+            </a:r>
+            <a:r>
+              <a:rPr lang="en-US" altLang="zh-CN" dirty="0" smtClean="0">
+                <a:latin typeface="华文琥珀" panose="02010800040101010101" pitchFamily="2" charset="-122"/>
+                <a:ea typeface="华文琥珀" panose="02010800040101010101" pitchFamily="2" charset="-122"/>
+              </a:rPr>
+              <a:t> </a:t>
+            </a:r>
+            <a:r>
+              <a:rPr lang="en-US" altLang="zh-CN" dirty="0" smtClean="0">
+                <a:latin typeface="华文琥珀" panose="02010800040101010101" pitchFamily="2" charset="-122"/>
+                <a:ea typeface="华文琥珀" panose="02010800040101010101" pitchFamily="2" charset="-122"/>
+              </a:rPr>
+              <a:t>+ </a:t>
+            </a:r>
+            <a:r>
+              <a:rPr lang="en-US" altLang="zh-CN" dirty="0" smtClean="0">
+                <a:latin typeface="华文琥珀" panose="02010800040101010101" pitchFamily="2" charset="-122"/>
+                <a:ea typeface="华文琥珀" panose="02010800040101010101" pitchFamily="2" charset="-122"/>
+              </a:rPr>
+              <a:t>2</a:t>
+            </a:r>
+            <a:r>
+              <a:rPr lang="zh-CN" altLang="en-US" dirty="0" smtClean="0">
+                <a:latin typeface="华文琥珀" panose="02010800040101010101" pitchFamily="2" charset="-122"/>
+                <a:ea typeface="华文琥珀" panose="02010800040101010101" pitchFamily="2" charset="-122"/>
+              </a:rPr>
+              <a:t>个方向</a:t>
             </a:r>
             <a:endParaRPr lang="zh-CN" altLang="en-US" sz="3200" dirty="0">
               <a:latin typeface="华文琥珀" panose="02010800040101010101" pitchFamily="2" charset="-122"/>
@@ -13579,7 +13596,7 @@
                 <a:latin typeface="Tempus Sans ITC" panose="04020404030D07020202" pitchFamily="82" charset="0"/>
                 <a:ea typeface="华文彩云" panose="02010800040101010101" pitchFamily="2" charset="-122"/>
               </a:rPr>
-              <a:t>github</a:t>
+              <a:t>Github</a:t>
             </a:r>
             <a:endParaRPr lang="zh-CN" altLang="en-US" sz="6600" dirty="0">
               <a:effectLst>
@@ -13608,13 +13625,13 @@
   <p:clrMapOvr>
     <a:masterClrMapping/>
   </p:clrMapOvr>
-  <mc:AlternateContent xmlns:mc="http://schemas.openxmlformats.org/markup-compatibility/2006">
-    <mc:Choice xmlns:p14="http://schemas.microsoft.com/office/powerpoint/2010/main" Requires="p14">
+  <mc:AlternateContent xmlns:mc="http://schemas.openxmlformats.org/markup-compatibility/2006" xmlns:p14="http://schemas.microsoft.com/office/powerpoint/2010/main">
+    <mc:Choice Requires="p14">
       <p:transition p14:dur="100" advTm="2931">
         <p:cut/>
       </p:transition>
     </mc:Choice>
-    <mc:Fallback>
+    <mc:Fallback xmlns="">
       <p:transition advTm="2931">
         <p:cut/>
       </p:transition>
@@ -14149,14 +14166,7 @@
                 <a:latin typeface="华文琥珀" panose="02010800040101010101" pitchFamily="2" charset="-122"/>
                 <a:ea typeface="华文琥珀" panose="02010800040101010101" pitchFamily="2" charset="-122"/>
               </a:rPr>
-              <a:t>.</a:t>
-            </a:r>
-            <a:r>
-              <a:rPr lang="en-US" altLang="zh-CN" dirty="0" smtClean="0">
-                <a:latin typeface="华文琥珀" panose="02010800040101010101" pitchFamily="2" charset="-122"/>
-                <a:ea typeface="华文琥珀" panose="02010800040101010101" pitchFamily="2" charset="-122"/>
-              </a:rPr>
-              <a:t>git</a:t>
+              <a:t>.git</a:t>
             </a:r>
             <a:r>
               <a:rPr lang="zh-CN" altLang="en-US" dirty="0" smtClean="0">
@@ -14569,14 +14579,14 @@
           <a:lstStyle/>
           <a:p>
             <a:r>
-              <a:rPr lang="en-US" altLang="zh-CN" dirty="0" smtClean="0">
+              <a:rPr lang="zh-CN" altLang="en-US" smtClean="0">
                 <a:latin typeface="华文琥珀" panose="02010800040101010101" pitchFamily="2" charset="-122"/>
                 <a:ea typeface="华文琥珀" panose="02010800040101010101" pitchFamily="2" charset="-122"/>
               </a:rPr>
-              <a:t>git</a:t>
-            </a:r>
-            <a:r>
-              <a:rPr lang="zh-CN" altLang="en-US" dirty="0">
+              <a:t>一切都是</a:t>
+            </a:r>
+            <a:r>
+              <a:rPr lang="zh-CN" altLang="en-US" smtClean="0">
                 <a:latin typeface="华文琥珀" panose="02010800040101010101" pitchFamily="2" charset="-122"/>
                 <a:ea typeface="华文琥珀" panose="02010800040101010101" pitchFamily="2" charset="-122"/>
               </a:rPr>
@@ -15328,11 +15338,11 @@
   <p:clrMapOvr>
     <a:masterClrMapping/>
   </p:clrMapOvr>
-  <mc:AlternateContent xmlns:mc="http://schemas.openxmlformats.org/markup-compatibility/2006">
-    <mc:Choice xmlns:p14="http://schemas.microsoft.com/office/powerpoint/2010/main" Requires="p14">
+  <mc:AlternateContent xmlns:mc="http://schemas.openxmlformats.org/markup-compatibility/2006" xmlns:p14="http://schemas.microsoft.com/office/powerpoint/2010/main">
+    <mc:Choice Requires="p14">
       <p:transition p14:dur="10" advTm="2931"/>
     </mc:Choice>
-    <mc:Fallback>
+    <mc:Fallback xmlns="">
       <p:transition advTm="2931"/>
     </mc:Fallback>
   </mc:AlternateContent>
@@ -15763,11 +15773,11 @@
   <p:clrMapOvr>
     <a:masterClrMapping/>
   </p:clrMapOvr>
-  <mc:AlternateContent xmlns:mc="http://schemas.openxmlformats.org/markup-compatibility/2006">
-    <mc:Choice xmlns:p14="http://schemas.microsoft.com/office/powerpoint/2010/main" Requires="p14">
+  <mc:AlternateContent xmlns:mc="http://schemas.openxmlformats.org/markup-compatibility/2006" xmlns:p14="http://schemas.microsoft.com/office/powerpoint/2010/main">
+    <mc:Choice Requires="p14">
       <p:transition p14:dur="10" advTm="2931"/>
     </mc:Choice>
-    <mc:Fallback>
+    <mc:Fallback xmlns="">
       <p:transition advTm="2931"/>
     </mc:Fallback>
   </mc:AlternateContent>
